--- a/notes1-verification tools.pptx
+++ b/notes1-verification tools.pptx
@@ -13,17 +13,26 @@
     <p:sldId id="262" r:id="rId8"/>
     <p:sldId id="263" r:id="rId9"/>
     <p:sldId id="275" r:id="rId10"/>
-    <p:sldId id="264" r:id="rId11"/>
-    <p:sldId id="265" r:id="rId12"/>
-    <p:sldId id="266" r:id="rId13"/>
-    <p:sldId id="267" r:id="rId14"/>
-    <p:sldId id="268" r:id="rId15"/>
-    <p:sldId id="269" r:id="rId16"/>
-    <p:sldId id="270" r:id="rId17"/>
-    <p:sldId id="271" r:id="rId18"/>
-    <p:sldId id="272" r:id="rId19"/>
-    <p:sldId id="273" r:id="rId20"/>
-    <p:sldId id="274" r:id="rId21"/>
+    <p:sldId id="287" r:id="rId11"/>
+    <p:sldId id="289" r:id="rId12"/>
+    <p:sldId id="288" r:id="rId13"/>
+    <p:sldId id="290" r:id="rId14"/>
+    <p:sldId id="291" r:id="rId15"/>
+    <p:sldId id="292" r:id="rId16"/>
+    <p:sldId id="293" r:id="rId17"/>
+    <p:sldId id="294" r:id="rId18"/>
+    <p:sldId id="264" r:id="rId19"/>
+    <p:sldId id="265" r:id="rId20"/>
+    <p:sldId id="266" r:id="rId21"/>
+    <p:sldId id="267" r:id="rId22"/>
+    <p:sldId id="268" r:id="rId23"/>
+    <p:sldId id="269" r:id="rId24"/>
+    <p:sldId id="270" r:id="rId25"/>
+    <p:sldId id="271" r:id="rId26"/>
+    <p:sldId id="272" r:id="rId27"/>
+    <p:sldId id="273" r:id="rId28"/>
+    <p:sldId id="274" r:id="rId29"/>
+    <p:sldId id="295" r:id="rId30"/>
   </p:sldIdLst>
   <p:sldSz cx="12192000" cy="6858000"/>
   <p:notesSz cx="6858000" cy="9144000"/>
@@ -3007,6 +3016,1050 @@
         </p:nvSpPr>
         <p:spPr/>
         <p:txBody>
+          <a:bodyPr>
+            <a:normAutofit/>
+          </a:bodyPr>
+          <a:p>
+            <a:r>
+              <a:rPr lang="en-US">
+                <a:sym typeface="+mn-ea"/>
+              </a:rPr>
+              <a:t>Terms - Cryptographic Messages</a:t>
+            </a:r>
+            <a:endParaRPr lang="en-US"/>
+          </a:p>
+        </p:txBody>
+      </p:sp>
+      <p:pic>
+        <p:nvPicPr>
+          <p:cNvPr id="4" name="Content Placeholder 3"/>
+          <p:cNvPicPr>
+            <a:picLocks noChangeAspect="1"/>
+          </p:cNvPicPr>
+          <p:nvPr>
+            <p:ph idx="1"/>
+          </p:nvPr>
+        </p:nvPicPr>
+        <p:blipFill>
+          <a:blip r:embed="rId1"/>
+          <a:stretch>
+            <a:fillRect/>
+          </a:stretch>
+        </p:blipFill>
+        <p:spPr>
+          <a:xfrm>
+            <a:off x="1056005" y="2026285"/>
+            <a:ext cx="10045700" cy="3108325"/>
+          </a:xfrm>
+          <a:prstGeom prst="rect">
+            <a:avLst/>
+          </a:prstGeom>
+        </p:spPr>
+      </p:pic>
+    </p:spTree>
+  </p:cSld>
+  <p:clrMapOvr>
+    <a:masterClrMapping/>
+  </p:clrMapOvr>
+</p:sld>
+</file>
+
+<file path=ppt/slides/slide11.xml><?xml version="1.0" encoding="utf-8"?>
+<p:sld xmlns:a="http://schemas.openxmlformats.org/drawingml/2006/main" xmlns:r="http://schemas.openxmlformats.org/officeDocument/2006/relationships" xmlns:p="http://schemas.openxmlformats.org/presentationml/2006/main">
+  <p:cSld>
+    <p:spTree>
+      <p:nvGrpSpPr>
+        <p:cNvPr id="1" name=""/>
+        <p:cNvGrpSpPr/>
+        <p:nvPr/>
+      </p:nvGrpSpPr>
+      <p:grpSpPr/>
+      <p:sp>
+        <p:nvSpPr>
+          <p:cNvPr id="2" name="Title 1"/>
+          <p:cNvSpPr>
+            <a:spLocks noGrp="1"/>
+          </p:cNvSpPr>
+          <p:nvPr>
+            <p:ph type="title"/>
+          </p:nvPr>
+        </p:nvSpPr>
+        <p:spPr/>
+        <p:txBody>
+          <a:bodyPr/>
+          <a:p>
+            <a:r>
+              <a:rPr lang="en-US"/>
+              <a:t>Terms - Equational theories</a:t>
+            </a:r>
+            <a:endParaRPr lang="en-US"/>
+          </a:p>
+        </p:txBody>
+      </p:sp>
+      <p:sp>
+        <p:nvSpPr>
+          <p:cNvPr id="3" name="Content Placeholder 2"/>
+          <p:cNvSpPr>
+            <a:spLocks noGrp="1"/>
+          </p:cNvSpPr>
+          <p:nvPr>
+            <p:ph idx="1"/>
+          </p:nvPr>
+        </p:nvSpPr>
+        <p:spPr/>
+        <p:txBody>
+          <a:bodyPr/>
+          <a:p>
+            <a:r>
+              <a:rPr lang="en-US"/>
+              <a:t>Equational theories can be used to model properties of functions</a:t>
+            </a:r>
+            <a:endParaRPr lang="en-US"/>
+          </a:p>
+          <a:p>
+            <a:r>
+              <a:rPr lang="en-US"/>
+              <a:t>equations: lhs1 = rhs1, ..., lhsn = rhsn</a:t>
+            </a:r>
+            <a:endParaRPr lang="en-US"/>
+          </a:p>
+        </p:txBody>
+      </p:sp>
+    </p:spTree>
+  </p:cSld>
+  <p:clrMapOvr>
+    <a:masterClrMapping/>
+  </p:clrMapOvr>
+</p:sld>
+</file>
+
+<file path=ppt/slides/slide12.xml><?xml version="1.0" encoding="utf-8"?>
+<p:sld xmlns:a="http://schemas.openxmlformats.org/drawingml/2006/main" xmlns:r="http://schemas.openxmlformats.org/officeDocument/2006/relationships" xmlns:p="http://schemas.openxmlformats.org/presentationml/2006/main">
+  <p:cSld>
+    <p:spTree>
+      <p:nvGrpSpPr>
+        <p:cNvPr id="1" name=""/>
+        <p:cNvGrpSpPr/>
+        <p:nvPr/>
+      </p:nvGrpSpPr>
+      <p:grpSpPr/>
+      <p:sp>
+        <p:nvSpPr>
+          <p:cNvPr id="2" name="Title 1"/>
+          <p:cNvSpPr>
+            <a:spLocks noGrp="1"/>
+          </p:cNvSpPr>
+          <p:nvPr>
+            <p:ph type="title"/>
+          </p:nvPr>
+        </p:nvSpPr>
+        <p:spPr/>
+        <p:txBody>
+          <a:bodyPr/>
+          <a:p>
+            <a:r>
+              <a:rPr lang="en-US"/>
+              <a:t>Facts - Model Specification</a:t>
+            </a:r>
+            <a:endParaRPr lang="en-US"/>
+          </a:p>
+        </p:txBody>
+      </p:sp>
+      <p:pic>
+        <p:nvPicPr>
+          <p:cNvPr id="4" name="Content Placeholder 3"/>
+          <p:cNvPicPr>
+            <a:picLocks noChangeAspect="1"/>
+          </p:cNvPicPr>
+          <p:nvPr>
+            <p:ph idx="1"/>
+          </p:nvPr>
+        </p:nvPicPr>
+        <p:blipFill>
+          <a:blip r:embed="rId1">
+            <a:lum contrast="-18000"/>
+          </a:blip>
+          <a:stretch>
+            <a:fillRect/>
+          </a:stretch>
+        </p:blipFill>
+        <p:spPr>
+          <a:xfrm>
+            <a:off x="1049655" y="1577340"/>
+            <a:ext cx="10235565" cy="680720"/>
+          </a:xfrm>
+          <a:prstGeom prst="rect">
+            <a:avLst/>
+          </a:prstGeom>
+        </p:spPr>
+      </p:pic>
+      <p:sp>
+        <p:nvSpPr>
+          <p:cNvPr id="7" name="Text Box 6"/>
+          <p:cNvSpPr txBox="1"/>
+          <p:nvPr/>
+        </p:nvSpPr>
+        <p:spPr>
+          <a:xfrm>
+            <a:off x="1092200" y="2529205"/>
+            <a:ext cx="9209405" cy="1198880"/>
+          </a:xfrm>
+          <a:prstGeom prst="rect">
+            <a:avLst/>
+          </a:prstGeom>
+          <a:noFill/>
+        </p:spPr>
+        <p:txBody>
+          <a:bodyPr wrap="square" rtlCol="0">
+            <a:spAutoFit/>
+          </a:bodyPr>
+          <a:p>
+            <a:r>
+              <a:rPr lang="en-US">
+                <a:latin typeface="Times New Roman" panose="02020603050405020304" charset="0"/>
+                <a:cs typeface="Times New Roman" panose="02020603050405020304" charset="0"/>
+              </a:rPr>
+              <a:t>SPECIAL FACTS</a:t>
+            </a:r>
+            <a:endParaRPr lang="en-US">
+              <a:latin typeface="Times New Roman" panose="02020603050405020304" charset="0"/>
+              <a:cs typeface="Times New Roman" panose="02020603050405020304" charset="0"/>
+            </a:endParaRPr>
+          </a:p>
+          <a:p>
+            <a:pPr lvl="1"/>
+            <a:r>
+              <a:rPr lang="en-US">
+                <a:latin typeface="Times New Roman" panose="02020603050405020304" charset="0"/>
+                <a:cs typeface="Times New Roman" panose="02020603050405020304" charset="0"/>
+              </a:rPr>
+              <a:t>there is a fresh rule that produces unique </a:t>
+            </a:r>
+            <a:r>
+              <a:rPr lang="en-US" b="1">
+                <a:latin typeface="Times New Roman" panose="02020603050405020304" charset="0"/>
+                <a:cs typeface="Times New Roman" panose="02020603050405020304" charset="0"/>
+              </a:rPr>
+              <a:t>Fr</a:t>
+            </a:r>
+            <a:r>
+              <a:rPr lang="en-US">
+                <a:latin typeface="Times New Roman" panose="02020603050405020304" charset="0"/>
+                <a:cs typeface="Times New Roman" panose="02020603050405020304" charset="0"/>
+              </a:rPr>
+              <a:t>(...) facts;</a:t>
+            </a:r>
+            <a:endParaRPr lang="en-US">
+              <a:latin typeface="Times New Roman" panose="02020603050405020304" charset="0"/>
+              <a:cs typeface="Times New Roman" panose="02020603050405020304" charset="0"/>
+            </a:endParaRPr>
+          </a:p>
+          <a:p>
+            <a:pPr lvl="1"/>
+            <a:r>
+              <a:rPr lang="en-US">
+                <a:latin typeface="Times New Roman" panose="02020603050405020304" charset="0"/>
+                <a:cs typeface="Times New Roman" panose="02020603050405020304" charset="0"/>
+              </a:rPr>
+              <a:t>and there is a set of rules for adversary knowledge derivation,</a:t>
+            </a:r>
+            <a:endParaRPr lang="en-US">
+              <a:latin typeface="Times New Roman" panose="02020603050405020304" charset="0"/>
+              <a:cs typeface="Times New Roman" panose="02020603050405020304" charset="0"/>
+            </a:endParaRPr>
+          </a:p>
+          <a:p>
+            <a:pPr lvl="1"/>
+            <a:r>
+              <a:rPr lang="en-US">
+                <a:latin typeface="Times New Roman" panose="02020603050405020304" charset="0"/>
+                <a:cs typeface="Times New Roman" panose="02020603050405020304" charset="0"/>
+              </a:rPr>
+              <a:t>which consume </a:t>
+            </a:r>
+            <a:r>
+              <a:rPr lang="en-US" b="1">
+                <a:latin typeface="Times New Roman" panose="02020603050405020304" charset="0"/>
+                <a:cs typeface="Times New Roman" panose="02020603050405020304" charset="0"/>
+              </a:rPr>
+              <a:t>Out</a:t>
+            </a:r>
+            <a:r>
+              <a:rPr lang="en-US">
+                <a:latin typeface="Times New Roman" panose="02020603050405020304" charset="0"/>
+                <a:cs typeface="Times New Roman" panose="02020603050405020304" charset="0"/>
+              </a:rPr>
+              <a:t>(...) facts and produce</a:t>
+            </a:r>
+            <a:r>
+              <a:rPr lang="en-US" b="1">
+                <a:latin typeface="Times New Roman" panose="02020603050405020304" charset="0"/>
+                <a:cs typeface="Times New Roman" panose="02020603050405020304" charset="0"/>
+              </a:rPr>
+              <a:t> In</a:t>
+            </a:r>
+            <a:r>
+              <a:rPr lang="en-US">
+                <a:latin typeface="Times New Roman" panose="02020603050405020304" charset="0"/>
+                <a:cs typeface="Times New Roman" panose="02020603050405020304" charset="0"/>
+              </a:rPr>
+              <a:t>(...) facts.</a:t>
+            </a:r>
+            <a:endParaRPr lang="en-US">
+              <a:latin typeface="Times New Roman" panose="02020603050405020304" charset="0"/>
+              <a:cs typeface="Times New Roman" panose="02020603050405020304" charset="0"/>
+            </a:endParaRPr>
+          </a:p>
+        </p:txBody>
+      </p:sp>
+      <p:sp>
+        <p:nvSpPr>
+          <p:cNvPr id="8" name="Text Box 7"/>
+          <p:cNvSpPr txBox="1"/>
+          <p:nvPr/>
+        </p:nvSpPr>
+        <p:spPr>
+          <a:xfrm>
+            <a:off x="1171575" y="3860800"/>
+            <a:ext cx="8651875" cy="1476375"/>
+          </a:xfrm>
+          <a:prstGeom prst="rect">
+            <a:avLst/>
+          </a:prstGeom>
+          <a:noFill/>
+        </p:spPr>
+        <p:txBody>
+          <a:bodyPr wrap="square" rtlCol="0">
+            <a:spAutoFit/>
+          </a:bodyPr>
+          <a:p>
+            <a:r>
+              <a:rPr lang="en-US"/>
+              <a:t>Two types of Facts</a:t>
+            </a:r>
+            <a:endParaRPr lang="en-US"/>
+          </a:p>
+          <a:p>
+            <a:r>
+              <a:rPr lang="en-US"/>
+              <a:t>	Linear Facts:they might appear in one state but not in the next.</a:t>
+            </a:r>
+            <a:endParaRPr lang="en-US"/>
+          </a:p>
+          <a:p>
+            <a:r>
+              <a:rPr lang="en-US"/>
+              <a:t>	Persistent Facts:some facts in our models will never be removed from the state once they are introduced</a:t>
+            </a:r>
+            <a:endParaRPr lang="en-US"/>
+          </a:p>
+          <a:p>
+            <a:r>
+              <a:rPr lang="en-US"/>
+              <a:t>	</a:t>
+            </a:r>
+            <a:endParaRPr lang="en-US"/>
+          </a:p>
+        </p:txBody>
+      </p:sp>
+    </p:spTree>
+  </p:cSld>
+  <p:clrMapOvr>
+    <a:masterClrMapping/>
+  </p:clrMapOvr>
+</p:sld>
+</file>
+
+<file path=ppt/slides/slide13.xml><?xml version="1.0" encoding="utf-8"?>
+<p:sld xmlns:a="http://schemas.openxmlformats.org/drawingml/2006/main" xmlns:r="http://schemas.openxmlformats.org/officeDocument/2006/relationships" xmlns:p="http://schemas.openxmlformats.org/presentationml/2006/main">
+  <p:cSld>
+    <p:spTree>
+      <p:nvGrpSpPr>
+        <p:cNvPr id="1" name=""/>
+        <p:cNvGrpSpPr/>
+        <p:nvPr/>
+      </p:nvGrpSpPr>
+      <p:grpSpPr/>
+      <p:sp>
+        <p:nvSpPr>
+          <p:cNvPr id="2" name="Title 1"/>
+          <p:cNvSpPr>
+            <a:spLocks noGrp="1"/>
+          </p:cNvSpPr>
+          <p:nvPr>
+            <p:ph type="title"/>
+          </p:nvPr>
+        </p:nvSpPr>
+        <p:spPr/>
+        <p:txBody>
+          <a:bodyPr>
+            <a:normAutofit/>
+          </a:bodyPr>
+          <a:p>
+            <a:r>
+              <a:rPr lang="en-US">
+                <a:sym typeface="+mn-ea"/>
+              </a:rPr>
+              <a:t>Rules - Model Specification</a:t>
+            </a:r>
+            <a:endParaRPr lang="en-US"/>
+          </a:p>
+        </p:txBody>
+      </p:sp>
+      <p:sp>
+        <p:nvSpPr>
+          <p:cNvPr id="3" name="Content Placeholder 2"/>
+          <p:cNvSpPr>
+            <a:spLocks noGrp="1"/>
+          </p:cNvSpPr>
+          <p:nvPr>
+            <p:ph idx="1"/>
+          </p:nvPr>
+        </p:nvSpPr>
+        <p:spPr/>
+        <p:txBody>
+          <a:bodyPr/>
+          <a:p>
+            <a:r>
+              <a:rPr lang="en-US"/>
+              <a:t>We use multiset rewriting to specify the concurrent execution of the protocol and the adversary.</a:t>
+            </a:r>
+            <a:endParaRPr lang="en-US"/>
+          </a:p>
+          <a:p>
+            <a:r>
+              <a:rPr lang="en-US">
+                <a:solidFill>
+                  <a:srgbClr val="FF0000"/>
+                </a:solidFill>
+              </a:rPr>
+              <a:t>A rewrite rule</a:t>
+            </a:r>
+            <a:r>
+              <a:rPr lang="en-US"/>
+              <a:t> in Tamarin has </a:t>
+            </a:r>
+            <a:r>
+              <a:rPr lang="en-US">
+                <a:solidFill>
+                  <a:srgbClr val="FF0000"/>
+                </a:solidFill>
+              </a:rPr>
+              <a:t>a name</a:t>
+            </a:r>
+            <a:r>
+              <a:rPr lang="en-US"/>
+              <a:t> and </a:t>
+            </a:r>
+            <a:r>
+              <a:rPr lang="en-US">
+                <a:solidFill>
+                  <a:srgbClr val="FF0000"/>
+                </a:solidFill>
+              </a:rPr>
+              <a:t>three parts</a:t>
+            </a:r>
+            <a:r>
+              <a:rPr lang="en-US"/>
+              <a:t>, each of which is a sequence of facts: one for the rule’s left-hand side, one labelling the transition (which we call ‘action facts’), and one for the rule’s right-hand side. For example:</a:t>
+            </a:r>
+            <a:endParaRPr lang="en-US"/>
+          </a:p>
+        </p:txBody>
+      </p:sp>
+      <p:pic>
+        <p:nvPicPr>
+          <p:cNvPr id="4" name="Picture 3"/>
+          <p:cNvPicPr>
+            <a:picLocks noChangeAspect="1"/>
+          </p:cNvPicPr>
+          <p:nvPr/>
+        </p:nvPicPr>
+        <p:blipFill>
+          <a:blip r:embed="rId1"/>
+          <a:stretch>
+            <a:fillRect/>
+          </a:stretch>
+        </p:blipFill>
+        <p:spPr>
+          <a:xfrm>
+            <a:off x="2450465" y="4436745"/>
+            <a:ext cx="6587490" cy="1638300"/>
+          </a:xfrm>
+          <a:prstGeom prst="rect">
+            <a:avLst/>
+          </a:prstGeom>
+        </p:spPr>
+      </p:pic>
+    </p:spTree>
+  </p:cSld>
+  <p:clrMapOvr>
+    <a:masterClrMapping/>
+  </p:clrMapOvr>
+</p:sld>
+</file>
+
+<file path=ppt/slides/slide14.xml><?xml version="1.0" encoding="utf-8"?>
+<p:sld xmlns:a="http://schemas.openxmlformats.org/drawingml/2006/main" xmlns:r="http://schemas.openxmlformats.org/officeDocument/2006/relationships" xmlns:p="http://schemas.openxmlformats.org/presentationml/2006/main">
+  <p:cSld>
+    <p:spTree>
+      <p:nvGrpSpPr>
+        <p:cNvPr id="1" name=""/>
+        <p:cNvGrpSpPr/>
+        <p:nvPr/>
+      </p:nvGrpSpPr>
+      <p:grpSpPr/>
+      <p:sp>
+        <p:nvSpPr>
+          <p:cNvPr id="2" name="Title 1"/>
+          <p:cNvSpPr>
+            <a:spLocks noGrp="1"/>
+          </p:cNvSpPr>
+          <p:nvPr>
+            <p:ph type="title"/>
+          </p:nvPr>
+        </p:nvSpPr>
+        <p:spPr/>
+        <p:txBody>
+          <a:bodyPr/>
+          <a:p>
+            <a:r>
+              <a:rPr lang="en-US"/>
+              <a:t>Property Specification</a:t>
+            </a:r>
+            <a:endParaRPr lang="en-US"/>
+          </a:p>
+        </p:txBody>
+      </p:sp>
+      <p:sp>
+        <p:nvSpPr>
+          <p:cNvPr id="3" name="Content Placeholder 2"/>
+          <p:cNvSpPr>
+            <a:spLocks noGrp="1"/>
+          </p:cNvSpPr>
+          <p:nvPr>
+            <p:ph idx="1"/>
+          </p:nvPr>
+        </p:nvSpPr>
+        <p:spPr/>
+        <p:txBody>
+          <a:bodyPr/>
+          <a:p>
+            <a:r>
+              <a:rPr lang="en-US"/>
+              <a:t>Trace Properties</a:t>
+            </a:r>
+            <a:endParaRPr lang="en-US"/>
+          </a:p>
+          <a:p>
+            <a:pPr lvl="1"/>
+            <a:r>
+              <a:rPr lang="en-US"/>
+              <a:t>A trace property is a set of traces. </a:t>
+            </a:r>
+            <a:endParaRPr lang="en-US"/>
+          </a:p>
+          <a:p>
+            <a:pPr lvl="1"/>
+            <a:r>
+              <a:rPr lang="en-US"/>
+              <a:t>We define a set of traces using first-order logic formulas over action facts and timepoints.</a:t>
+            </a:r>
+            <a:endParaRPr lang="en-US"/>
+          </a:p>
+          <a:p>
+            <a:pPr lvl="0"/>
+            <a:r>
+              <a:rPr lang="en-US"/>
+              <a:t>Observational Equivalence</a:t>
+            </a:r>
+            <a:endParaRPr lang="en-US"/>
+          </a:p>
+          <a:p>
+            <a:pPr lvl="0"/>
+            <a:endParaRPr lang="en-US"/>
+          </a:p>
+        </p:txBody>
+      </p:sp>
+    </p:spTree>
+  </p:cSld>
+  <p:clrMapOvr>
+    <a:masterClrMapping/>
+  </p:clrMapOvr>
+</p:sld>
+</file>
+
+<file path=ppt/slides/slide15.xml><?xml version="1.0" encoding="utf-8"?>
+<p:sld xmlns:a="http://schemas.openxmlformats.org/drawingml/2006/main" xmlns:r="http://schemas.openxmlformats.org/officeDocument/2006/relationships" xmlns:p="http://schemas.openxmlformats.org/presentationml/2006/main">
+  <p:cSld>
+    <p:spTree>
+      <p:nvGrpSpPr>
+        <p:cNvPr id="1" name=""/>
+        <p:cNvGrpSpPr/>
+        <p:nvPr/>
+      </p:nvGrpSpPr>
+      <p:grpSpPr/>
+      <p:sp>
+        <p:nvSpPr>
+          <p:cNvPr id="2" name="Title 1"/>
+          <p:cNvSpPr>
+            <a:spLocks noGrp="1"/>
+          </p:cNvSpPr>
+          <p:nvPr>
+            <p:ph type="title"/>
+          </p:nvPr>
+        </p:nvSpPr>
+        <p:spPr/>
+        <p:txBody>
+          <a:bodyPr>
+            <a:normAutofit/>
+          </a:bodyPr>
+          <a:p>
+            <a:r>
+              <a:rPr lang="en-US">
+                <a:sym typeface="+mn-ea"/>
+              </a:rPr>
+              <a:t>Property Specification</a:t>
+            </a:r>
+            <a:endParaRPr lang="en-US"/>
+          </a:p>
+        </p:txBody>
+      </p:sp>
+      <p:sp>
+        <p:nvSpPr>
+          <p:cNvPr id="3" name="Content Placeholder 2"/>
+          <p:cNvSpPr>
+            <a:spLocks noGrp="1"/>
+          </p:cNvSpPr>
+          <p:nvPr>
+            <p:ph sz="half" idx="1"/>
+          </p:nvPr>
+        </p:nvSpPr>
+        <p:spPr>
+          <a:xfrm>
+            <a:off x="838200" y="1825625"/>
+            <a:ext cx="10212705" cy="4351655"/>
+          </a:xfrm>
+        </p:spPr>
+        <p:txBody>
+          <a:bodyPr/>
+          <a:p>
+            <a:pPr marL="0" indent="0">
+              <a:buNone/>
+            </a:pPr>
+            <a:r>
+              <a:rPr lang="en-US"/>
+              <a:t>The syntax for specifying security properties is defined as follows:</a:t>
+            </a:r>
+            <a:endParaRPr lang="en-US"/>
+          </a:p>
+        </p:txBody>
+      </p:sp>
+      <p:pic>
+        <p:nvPicPr>
+          <p:cNvPr id="4" name="Picture 3"/>
+          <p:cNvPicPr>
+            <a:picLocks noChangeAspect="1"/>
+          </p:cNvPicPr>
+          <p:nvPr/>
+        </p:nvPicPr>
+        <p:blipFill>
+          <a:blip r:embed="rId1">
+            <a:lum contrast="-18000"/>
+          </a:blip>
+          <a:stretch>
+            <a:fillRect/>
+          </a:stretch>
+        </p:blipFill>
+        <p:spPr>
+          <a:xfrm>
+            <a:off x="1284605" y="2251710"/>
+            <a:ext cx="8553450" cy="3286125"/>
+          </a:xfrm>
+          <a:prstGeom prst="rect">
+            <a:avLst/>
+          </a:prstGeom>
+        </p:spPr>
+      </p:pic>
+      <p:pic>
+        <p:nvPicPr>
+          <p:cNvPr id="5" name="Content Placeholder 4"/>
+          <p:cNvPicPr>
+            <a:picLocks noChangeAspect="1"/>
+          </p:cNvPicPr>
+          <p:nvPr>
+            <p:ph sz="half" idx="2"/>
+          </p:nvPr>
+        </p:nvPicPr>
+        <p:blipFill>
+          <a:blip r:embed="rId2">
+            <a:lum contrast="-18000"/>
+          </a:blip>
+          <a:stretch>
+            <a:fillRect/>
+          </a:stretch>
+        </p:blipFill>
+        <p:spPr>
+          <a:xfrm>
+            <a:off x="1284605" y="5537835"/>
+            <a:ext cx="8552815" cy="1102995"/>
+          </a:xfrm>
+          <a:prstGeom prst="rect">
+            <a:avLst/>
+          </a:prstGeom>
+        </p:spPr>
+      </p:pic>
+    </p:spTree>
+  </p:cSld>
+  <p:clrMapOvr>
+    <a:masterClrMapping/>
+  </p:clrMapOvr>
+</p:sld>
+</file>
+
+<file path=ppt/slides/slide16.xml><?xml version="1.0" encoding="utf-8"?>
+<p:sld xmlns:a="http://schemas.openxmlformats.org/drawingml/2006/main" xmlns:r="http://schemas.openxmlformats.org/officeDocument/2006/relationships" xmlns:p="http://schemas.openxmlformats.org/presentationml/2006/main">
+  <p:cSld>
+    <p:spTree>
+      <p:nvGrpSpPr>
+        <p:cNvPr id="1" name=""/>
+        <p:cNvGrpSpPr/>
+        <p:nvPr/>
+      </p:nvGrpSpPr>
+      <p:grpSpPr/>
+      <p:sp>
+        <p:nvSpPr>
+          <p:cNvPr id="5" name="Title 4"/>
+          <p:cNvSpPr>
+            <a:spLocks noGrp="1"/>
+          </p:cNvSpPr>
+          <p:nvPr>
+            <p:ph type="title"/>
+          </p:nvPr>
+        </p:nvSpPr>
+        <p:spPr/>
+        <p:txBody>
+          <a:bodyPr>
+            <a:normAutofit/>
+          </a:bodyPr>
+          <a:p>
+            <a:r>
+              <a:rPr lang="en-US">
+                <a:sym typeface="+mn-ea"/>
+              </a:rPr>
+              <a:t>Property Specification</a:t>
+            </a:r>
+            <a:endParaRPr lang="en-US"/>
+          </a:p>
+        </p:txBody>
+      </p:sp>
+      <p:pic>
+        <p:nvPicPr>
+          <p:cNvPr id="7" name="Content Placeholder 6"/>
+          <p:cNvPicPr>
+            <a:picLocks noChangeAspect="1"/>
+          </p:cNvPicPr>
+          <p:nvPr>
+            <p:ph idx="1"/>
+          </p:nvPr>
+        </p:nvPicPr>
+        <p:blipFill>
+          <a:blip r:embed="rId1">
+            <a:lum contrast="24000"/>
+          </a:blip>
+          <a:stretch>
+            <a:fillRect/>
+          </a:stretch>
+        </p:blipFill>
+        <p:spPr>
+          <a:xfrm>
+            <a:off x="923290" y="2089785"/>
+            <a:ext cx="10133965" cy="1431290"/>
+          </a:xfrm>
+          <a:prstGeom prst="rect">
+            <a:avLst/>
+          </a:prstGeom>
+        </p:spPr>
+      </p:pic>
+    </p:spTree>
+  </p:cSld>
+  <p:clrMapOvr>
+    <a:masterClrMapping/>
+  </p:clrMapOvr>
+</p:sld>
+</file>
+
+<file path=ppt/slides/slide17.xml><?xml version="1.0" encoding="utf-8"?>
+<p:sld xmlns:a="http://schemas.openxmlformats.org/drawingml/2006/main" xmlns:r="http://schemas.openxmlformats.org/officeDocument/2006/relationships" xmlns:p="http://schemas.openxmlformats.org/presentationml/2006/main">
+  <p:cSld>
+    <p:spTree>
+      <p:nvGrpSpPr>
+        <p:cNvPr id="1" name=""/>
+        <p:cNvGrpSpPr/>
+        <p:nvPr/>
+      </p:nvGrpSpPr>
+      <p:grpSpPr/>
+      <p:sp>
+        <p:nvSpPr>
+          <p:cNvPr id="2" name="Title 1"/>
+          <p:cNvSpPr>
+            <a:spLocks noGrp="1"/>
+          </p:cNvSpPr>
+          <p:nvPr>
+            <p:ph type="title"/>
+          </p:nvPr>
+        </p:nvSpPr>
+        <p:spPr/>
+        <p:txBody>
+          <a:bodyPr/>
+          <a:p>
+            <a:r>
+              <a:rPr lang="en-US"/>
+              <a:t>Tamarin Syntax</a:t>
+            </a:r>
+            <a:endParaRPr lang="en-US"/>
+          </a:p>
+        </p:txBody>
+      </p:sp>
+      <p:sp>
+        <p:nvSpPr>
+          <p:cNvPr id="3" name="Content Placeholder 2"/>
+          <p:cNvSpPr>
+            <a:spLocks noGrp="1"/>
+          </p:cNvSpPr>
+          <p:nvPr>
+            <p:ph idx="1"/>
+          </p:nvPr>
+        </p:nvSpPr>
+        <p:spPr/>
+        <p:txBody>
+          <a:bodyPr/>
+          <a:p>
+            <a:pPr marL="0" indent="0">
+              <a:buNone/>
+            </a:pPr>
+            <a:r>
+              <a:rPr lang="en-US"/>
+              <a:t>a Tamarin input file consists of: </a:t>
+            </a:r>
+            <a:endParaRPr lang="en-US"/>
+          </a:p>
+          <a:p>
+            <a:r>
+              <a:rPr lang="en-US"/>
+              <a:t>Comments( C-like, single line: </a:t>
+            </a:r>
+            <a:r>
+              <a:rPr lang="en-US">
+                <a:solidFill>
+                  <a:srgbClr val="FF0000"/>
+                </a:solidFill>
+              </a:rPr>
+              <a:t>//</a:t>
+            </a:r>
+            <a:r>
+              <a:rPr lang="en-US"/>
+              <a:t>, multiline: </a:t>
+            </a:r>
+            <a:r>
+              <a:rPr lang="en-US">
+                <a:solidFill>
+                  <a:srgbClr val="FF0000"/>
+                </a:solidFill>
+              </a:rPr>
+              <a:t>/* */</a:t>
+            </a:r>
+            <a:r>
+              <a:rPr lang="en-US"/>
+              <a:t>)</a:t>
+            </a:r>
+            <a:endParaRPr lang="en-US"/>
+          </a:p>
+          <a:p>
+            <a:r>
+              <a:rPr lang="zh-CN" altLang="en-US"/>
+              <a:t>starts with </a:t>
+            </a:r>
+            <a:r>
+              <a:rPr lang="zh-CN" altLang="en-US" i="1">
+                <a:solidFill>
+                  <a:srgbClr val="FF0000"/>
+                </a:solidFill>
+              </a:rPr>
+              <a:t>theory</a:t>
+            </a:r>
+            <a:r>
+              <a:rPr lang="zh-CN" altLang="en-US">
+                <a:solidFill>
+                  <a:srgbClr val="FF0000"/>
+                </a:solidFill>
+              </a:rPr>
+              <a:t> </a:t>
+            </a:r>
+            <a:r>
+              <a:rPr lang="zh-CN" altLang="en-US"/>
+              <a:t>followed by the </a:t>
+            </a:r>
+            <a:r>
+              <a:rPr lang="zh-CN" altLang="en-US" i="1">
+                <a:solidFill>
+                  <a:srgbClr val="FF0000"/>
+                </a:solidFill>
+              </a:rPr>
+              <a:t>theory</a:t>
+            </a:r>
+            <a:r>
+              <a:rPr lang="en-US" altLang="zh-CN" i="1">
+                <a:solidFill>
+                  <a:srgbClr val="FF0000"/>
+                </a:solidFill>
+              </a:rPr>
+              <a:t>’</a:t>
+            </a:r>
+            <a:r>
+              <a:rPr lang="zh-CN" altLang="en-US" i="1">
+                <a:solidFill>
+                  <a:srgbClr val="FF0000"/>
+                </a:solidFill>
+              </a:rPr>
+              <a:t>s name</a:t>
+            </a:r>
+            <a:endParaRPr lang="zh-CN" altLang="en-US" i="1"/>
+          </a:p>
+          <a:p>
+            <a:r>
+              <a:rPr lang="en-US" altLang="zh-CN"/>
+              <a:t>the keyword </a:t>
+            </a:r>
+            <a:r>
+              <a:rPr lang="en-US" altLang="zh-CN" i="1">
+                <a:solidFill>
+                  <a:srgbClr val="FF0000"/>
+                </a:solidFill>
+              </a:rPr>
+              <a:t>begin</a:t>
+            </a:r>
+            <a:endParaRPr lang="en-US" altLang="zh-CN"/>
+          </a:p>
+          <a:p>
+            <a:r>
+              <a:rPr lang="en-US" altLang="zh-CN" i="1">
+                <a:solidFill>
+                  <a:srgbClr val="FF0000"/>
+                </a:solidFill>
+              </a:rPr>
+              <a:t>cryptographic primitives</a:t>
+            </a:r>
+            <a:r>
+              <a:rPr lang="en-US" altLang="zh-CN"/>
+              <a:t> declarations (the protocol process uses)</a:t>
+            </a:r>
+            <a:endParaRPr lang="en-US" altLang="zh-CN"/>
+          </a:p>
+          <a:p>
+            <a:r>
+              <a:rPr lang="en-US" altLang="zh-CN" i="1">
+                <a:solidFill>
+                  <a:srgbClr val="FF0000"/>
+                </a:solidFill>
+              </a:rPr>
+              <a:t>multiset rewriting rules</a:t>
+            </a:r>
+            <a:r>
+              <a:rPr lang="en-US" altLang="zh-CN">
+                <a:solidFill>
+                  <a:srgbClr val="FF0000"/>
+                </a:solidFill>
+              </a:rPr>
+              <a:t> </a:t>
+            </a:r>
+            <a:r>
+              <a:rPr lang="en-US" altLang="zh-CN">
+                <a:sym typeface="+mn-ea"/>
+              </a:rPr>
+              <a:t>declarations (modeling the protocol)</a:t>
+            </a:r>
+            <a:endParaRPr lang="en-US" altLang="zh-CN">
+              <a:sym typeface="+mn-ea"/>
+            </a:endParaRPr>
+          </a:p>
+          <a:p>
+            <a:r>
+              <a:rPr lang="en-US" altLang="zh-CN" i="1">
+                <a:solidFill>
+                  <a:srgbClr val="FF0000"/>
+                </a:solidFill>
+              </a:rPr>
+              <a:t>properties</a:t>
+            </a:r>
+            <a:r>
+              <a:rPr lang="en-US" altLang="zh-CN"/>
+              <a:t> declarations ( </a:t>
+            </a:r>
+            <a:r>
+              <a:rPr lang="en-US" altLang="zh-CN" i="1"/>
+              <a:t>lemmas</a:t>
+            </a:r>
+            <a:r>
+              <a:rPr lang="en-US" altLang="zh-CN"/>
+              <a:t> to be proven)</a:t>
+            </a:r>
+            <a:endParaRPr lang="en-US" altLang="zh-CN"/>
+          </a:p>
+          <a:p>
+            <a:r>
+              <a:rPr lang="en-US" altLang="zh-CN" i="1">
+                <a:solidFill>
+                  <a:schemeClr val="tx1"/>
+                </a:solidFill>
+              </a:rPr>
+              <a:t>the keyword</a:t>
+            </a:r>
+            <a:r>
+              <a:rPr lang="en-US" altLang="zh-CN" i="1">
+                <a:solidFill>
+                  <a:srgbClr val="FF0000"/>
+                </a:solidFill>
+              </a:rPr>
+              <a:t> end</a:t>
+            </a:r>
+            <a:endParaRPr lang="en-US" altLang="zh-CN"/>
+          </a:p>
+          <a:p>
+            <a:endParaRPr lang="en-US" altLang="zh-CN"/>
+          </a:p>
+        </p:txBody>
+      </p:sp>
+    </p:spTree>
+  </p:cSld>
+  <p:clrMapOvr>
+    <a:masterClrMapping/>
+  </p:clrMapOvr>
+</p:sld>
+</file>
+
+<file path=ppt/slides/slide18.xml><?xml version="1.0" encoding="utf-8"?>
+<p:sld xmlns:a="http://schemas.openxmlformats.org/drawingml/2006/main" xmlns:r="http://schemas.openxmlformats.org/officeDocument/2006/relationships" xmlns:p="http://schemas.openxmlformats.org/presentationml/2006/main">
+  <p:cSld>
+    <p:spTree>
+      <p:nvGrpSpPr>
+        <p:cNvPr id="1" name=""/>
+        <p:cNvGrpSpPr/>
+        <p:nvPr/>
+      </p:nvGrpSpPr>
+      <p:grpSpPr/>
+      <p:sp>
+        <p:nvSpPr>
+          <p:cNvPr id="2" name="Title 1"/>
+          <p:cNvSpPr>
+            <a:spLocks noGrp="1"/>
+          </p:cNvSpPr>
+          <p:nvPr>
+            <p:ph type="title"/>
+          </p:nvPr>
+        </p:nvSpPr>
+        <p:spPr/>
+        <p:txBody>
           <a:bodyPr/>
           <a:p>
             <a:r>
@@ -3051,7 +4104,7 @@
 </p:sld>
 </file>
 
-<file path=ppt/slides/slide11.xml><?xml version="1.0" encoding="utf-8"?>
+<file path=ppt/slides/slide19.xml><?xml version="1.0" encoding="utf-8"?>
 <p:sld xmlns:a="http://schemas.openxmlformats.org/drawingml/2006/main" xmlns:r="http://schemas.openxmlformats.org/officeDocument/2006/relationships" xmlns:p="http://schemas.openxmlformats.org/presentationml/2006/main">
   <p:cSld>
     <p:spTree>
@@ -3183,7 +4236,83 @@
 </p:sld>
 </file>
 
-<file path=ppt/slides/slide12.xml><?xml version="1.0" encoding="utf-8"?>
+<file path=ppt/slides/slide2.xml><?xml version="1.0" encoding="utf-8"?>
+<p:sld xmlns:a="http://schemas.openxmlformats.org/drawingml/2006/main" xmlns:r="http://schemas.openxmlformats.org/officeDocument/2006/relationships" xmlns:p="http://schemas.openxmlformats.org/presentationml/2006/main">
+  <p:cSld>
+    <p:spTree>
+      <p:nvGrpSpPr>
+        <p:cNvPr id="1" name=""/>
+        <p:cNvGrpSpPr/>
+        <p:nvPr/>
+      </p:nvGrpSpPr>
+      <p:grpSpPr/>
+      <p:sp>
+        <p:nvSpPr>
+          <p:cNvPr id="2" name="Title 1"/>
+          <p:cNvSpPr>
+            <a:spLocks noGrp="1"/>
+          </p:cNvSpPr>
+          <p:nvPr>
+            <p:ph type="title"/>
+          </p:nvPr>
+        </p:nvSpPr>
+        <p:spPr/>
+        <p:txBody>
+          <a:bodyPr/>
+          <a:p>
+            <a:r>
+              <a:rPr lang="en-US"/>
+              <a:t>Proverif</a:t>
+            </a:r>
+            <a:endParaRPr lang="en-US"/>
+          </a:p>
+        </p:txBody>
+      </p:sp>
+      <p:sp>
+        <p:nvSpPr>
+          <p:cNvPr id="3" name="Content Placeholder 2"/>
+          <p:cNvSpPr>
+            <a:spLocks noGrp="1"/>
+          </p:cNvSpPr>
+          <p:nvPr>
+            <p:ph idx="1"/>
+          </p:nvPr>
+        </p:nvSpPr>
+        <p:spPr/>
+        <p:txBody>
+          <a:bodyPr/>
+          <a:p>
+            <a:r>
+              <a:rPr lang="en-US"/>
+              <a:t>secrecy</a:t>
+            </a:r>
+            <a:endParaRPr lang="en-US"/>
+          </a:p>
+          <a:p>
+            <a:r>
+              <a:rPr lang="en-US"/>
+              <a:t>correspondence</a:t>
+            </a:r>
+            <a:endParaRPr lang="en-US"/>
+          </a:p>
+          <a:p>
+            <a:r>
+              <a:rPr lang="en-US"/>
+              <a:t>observational equivalence(indistinguishability)</a:t>
+            </a:r>
+            <a:endParaRPr lang="en-US"/>
+          </a:p>
+        </p:txBody>
+      </p:sp>
+    </p:spTree>
+  </p:cSld>
+  <p:clrMapOvr>
+    <a:masterClrMapping/>
+  </p:clrMapOvr>
+</p:sld>
+</file>
+
+<file path=ppt/slides/slide20.xml><?xml version="1.0" encoding="utf-8"?>
 <p:sld xmlns:a="http://schemas.openxmlformats.org/drawingml/2006/main" xmlns:r="http://schemas.openxmlformats.org/officeDocument/2006/relationships" xmlns:p="http://schemas.openxmlformats.org/presentationml/2006/main">
   <p:cSld>
     <p:spTree>
@@ -3279,7 +4408,7 @@
         </p:nvGraphicFramePr>
         <p:xfrm>
           <a:off x="915035" y="3409950"/>
-          <a:ext cx="8765540" cy="1443355"/>
+          <a:ext cx="10438765" cy="1718945"/>
         </p:xfrm>
         <a:graphic>
           <a:graphicData uri="http://schemas.openxmlformats.org/presentationml/2006/ole">
@@ -3307,7 +4436,7 @@
                     <p:spPr>
                       <a:xfrm>
                         <a:off x="915035" y="3409950"/>
-                        <a:ext cx="8765540" cy="1443355"/>
+                        <a:ext cx="10438765" cy="1718945"/>
                       </a:xfrm>
                       <a:prstGeom prst="rect">
                         <a:avLst/>
@@ -3400,7 +4529,7 @@
 </p:sld>
 </file>
 
-<file path=ppt/slides/slide13.xml><?xml version="1.0" encoding="utf-8"?>
+<file path=ppt/slides/slide21.xml><?xml version="1.0" encoding="utf-8"?>
 <p:sld xmlns:a="http://schemas.openxmlformats.org/drawingml/2006/main" xmlns:r="http://schemas.openxmlformats.org/officeDocument/2006/relationships" xmlns:p="http://schemas.openxmlformats.org/presentationml/2006/main">
   <p:cSld>
     <p:spTree>
@@ -3649,7 +4778,7 @@
 </p:sld>
 </file>
 
-<file path=ppt/slides/slide14.xml><?xml version="1.0" encoding="utf-8"?>
+<file path=ppt/slides/slide22.xml><?xml version="1.0" encoding="utf-8"?>
 <p:sld xmlns:a="http://schemas.openxmlformats.org/drawingml/2006/main" xmlns:r="http://schemas.openxmlformats.org/officeDocument/2006/relationships" xmlns:p="http://schemas.openxmlformats.org/presentationml/2006/main">
   <p:cSld>
     <p:spTree>
@@ -3721,7 +4850,7 @@
         </p:nvGraphicFramePr>
         <p:xfrm>
           <a:off x="1046480" y="1804670"/>
-          <a:ext cx="6736715" cy="4059555"/>
+          <a:ext cx="7350760" cy="4429760"/>
         </p:xfrm>
         <a:graphic>
           <a:graphicData uri="http://schemas.openxmlformats.org/presentationml/2006/ole">
@@ -3749,7 +4878,7 @@
                     <p:spPr>
                       <a:xfrm>
                         <a:off x="1046480" y="1804670"/>
-                        <a:ext cx="6736715" cy="4059555"/>
+                        <a:ext cx="7350760" cy="4429760"/>
                       </a:xfrm>
                       <a:prstGeom prst="rect">
                         <a:avLst/>
@@ -3931,7 +5060,7 @@
 </p:sld>
 </file>
 
-<file path=ppt/slides/slide15.xml><?xml version="1.0" encoding="utf-8"?>
+<file path=ppt/slides/slide23.xml><?xml version="1.0" encoding="utf-8"?>
 <p:sld xmlns:a="http://schemas.openxmlformats.org/drawingml/2006/main" xmlns:r="http://schemas.openxmlformats.org/officeDocument/2006/relationships" xmlns:p="http://schemas.openxmlformats.org/presentationml/2006/main">
   <p:cSld>
     <p:spTree>
@@ -3976,8 +5105,8 @@
           </p:nvPr>
         </p:nvGraphicFramePr>
         <p:xfrm>
-          <a:off x="933450" y="2259965"/>
-          <a:ext cx="7292340" cy="2566670"/>
+          <a:off x="933450" y="2224405"/>
+          <a:ext cx="7673975" cy="2701290"/>
         </p:xfrm>
         <a:graphic>
           <a:graphicData uri="http://schemas.openxmlformats.org/presentationml/2006/ole">
@@ -4004,8 +5133,8 @@
                     </p:blipFill>
                     <p:spPr>
                       <a:xfrm>
-                        <a:off x="933450" y="2259965"/>
-                        <a:ext cx="7292340" cy="2566670"/>
+                        <a:off x="933450" y="2224405"/>
+                        <a:ext cx="7673975" cy="2701290"/>
                       </a:xfrm>
                       <a:prstGeom prst="rect">
                         <a:avLst/>
@@ -4145,8 +5274,8 @@
         </p:nvSpPr>
         <p:spPr>
           <a:xfrm>
-            <a:off x="7800975" y="3743325"/>
-            <a:ext cx="4048125" cy="2030095"/>
+            <a:off x="7720965" y="3743325"/>
+            <a:ext cx="4128135" cy="2030095"/>
           </a:xfrm>
           <a:prstGeom prst="rect">
             <a:avLst/>
@@ -4186,7 +5315,7 @@
 </p:sld>
 </file>
 
-<file path=ppt/slides/slide16.xml><?xml version="1.0" encoding="utf-8"?>
+<file path=ppt/slides/slide24.xml><?xml version="1.0" encoding="utf-8"?>
 <p:sld xmlns:a="http://schemas.openxmlformats.org/drawingml/2006/main" xmlns:r="http://schemas.openxmlformats.org/officeDocument/2006/relationships" xmlns:p="http://schemas.openxmlformats.org/presentationml/2006/main">
   <p:cSld>
     <p:spTree>
@@ -4270,19 +5399,19 @@
           </p:nvPr>
         </p:nvGraphicFramePr>
         <p:xfrm>
-          <a:off x="838200" y="2809240"/>
-          <a:ext cx="7727950" cy="3661410"/>
+          <a:off x="838200" y="2794635"/>
+          <a:ext cx="7727950" cy="3690620"/>
         </p:xfrm>
         <a:graphic>
           <a:graphicData uri="http://schemas.openxmlformats.org/presentationml/2006/ole">
             <mc:AlternateContent xmlns:mc="http://schemas.openxmlformats.org/markup-compatibility/2006">
               <mc:Choice xmlns:v="urn:schemas-microsoft-com:vml" Requires="v">
-                <p:oleObj spid="_x0000_s6145" name="" r:id="rId1" imgW="5124450" imgH="2428875" progId="Word.Document.12">
+                <p:oleObj spid="_x0000_s6145" name="" r:id="rId1" imgW="5124450" imgH="2447925" progId="Word.Document.12">
                   <p:embed/>
                 </p:oleObj>
               </mc:Choice>
               <mc:Fallback>
-                <p:oleObj name="" r:id="rId1" imgW="5124450" imgH="2428875" progId="Word.Document.12">
+                <p:oleObj name="" r:id="rId1" imgW="5124450" imgH="2447925" progId="Word.Document.12">
                   <p:embed/>
                   <p:pic>
                     <p:nvPicPr>
@@ -4298,8 +5427,8 @@
                     </p:blipFill>
                     <p:spPr>
                       <a:xfrm>
-                        <a:off x="838200" y="2809240"/>
-                        <a:ext cx="7727950" cy="3661410"/>
+                        <a:off x="838200" y="2794635"/>
+                        <a:ext cx="7727950" cy="3690620"/>
                       </a:xfrm>
                       <a:prstGeom prst="rect">
                         <a:avLst/>
@@ -4367,8 +5496,8 @@
         </p:blipFill>
         <p:spPr>
           <a:xfrm>
-            <a:off x="7251065" y="0"/>
-            <a:ext cx="4940935" cy="1352550"/>
+            <a:off x="6664325" y="0"/>
+            <a:ext cx="5527675" cy="1513205"/>
           </a:xfrm>
           <a:prstGeom prst="rect">
             <a:avLst/>
@@ -4383,7 +5512,7 @@
 </p:sld>
 </file>
 
-<file path=ppt/slides/slide17.xml><?xml version="1.0" encoding="utf-8"?>
+<file path=ppt/slides/slide25.xml><?xml version="1.0" encoding="utf-8"?>
 <p:sld xmlns:a="http://schemas.openxmlformats.org/drawingml/2006/main" xmlns:r="http://schemas.openxmlformats.org/officeDocument/2006/relationships" xmlns:p="http://schemas.openxmlformats.org/presentationml/2006/main">
   <p:cSld>
     <p:spTree>
@@ -4468,7 +5597,7 @@
         </p:nvGraphicFramePr>
         <p:xfrm>
           <a:off x="971550" y="1967865"/>
-          <a:ext cx="7345680" cy="3142615"/>
+          <a:ext cx="8000365" cy="3422650"/>
         </p:xfrm>
         <a:graphic>
           <a:graphicData uri="http://schemas.openxmlformats.org/presentationml/2006/ole">
@@ -4496,7 +5625,7 @@
                     <p:spPr>
                       <a:xfrm>
                         <a:off x="971550" y="1967865"/>
-                        <a:ext cx="7345680" cy="3142615"/>
+                        <a:ext cx="8000365" cy="3422650"/>
                       </a:xfrm>
                       <a:prstGeom prst="rect">
                         <a:avLst/>
@@ -4517,7 +5646,7 @@
 </p:sld>
 </file>
 
-<file path=ppt/slides/slide18.xml><?xml version="1.0" encoding="utf-8"?>
+<file path=ppt/slides/slide26.xml><?xml version="1.0" encoding="utf-8"?>
 <p:sld xmlns:a="http://schemas.openxmlformats.org/drawingml/2006/main" xmlns:r="http://schemas.openxmlformats.org/officeDocument/2006/relationships" xmlns:p="http://schemas.openxmlformats.org/presentationml/2006/main">
   <p:cSld>
     <p:spTree>
@@ -4602,7 +5731,7 @@
         </p:nvGraphicFramePr>
         <p:xfrm>
           <a:off x="1037590" y="1691005"/>
-          <a:ext cx="6794500" cy="3581400"/>
+          <a:ext cx="7569835" cy="3990340"/>
         </p:xfrm>
         <a:graphic>
           <a:graphicData uri="http://schemas.openxmlformats.org/presentationml/2006/ole">
@@ -4630,7 +5759,7 @@
                     <p:spPr>
                       <a:xfrm>
                         <a:off x="1037590" y="1691005"/>
-                        <a:ext cx="6794500" cy="3581400"/>
+                        <a:ext cx="7569835" cy="3990340"/>
                       </a:xfrm>
                       <a:prstGeom prst="rect">
                         <a:avLst/>
@@ -4651,7 +5780,7 @@
 </p:sld>
 </file>
 
-<file path=ppt/slides/slide19.xml><?xml version="1.0" encoding="utf-8"?>
+<file path=ppt/slides/slide27.xml><?xml version="1.0" encoding="utf-8"?>
 <p:sld xmlns:a="http://schemas.openxmlformats.org/drawingml/2006/main" xmlns:r="http://schemas.openxmlformats.org/officeDocument/2006/relationships" xmlns:p="http://schemas.openxmlformats.org/presentationml/2006/main">
   <p:cSld>
     <p:spTree>
@@ -4740,7 +5869,7 @@
         </p:nvGraphicFramePr>
         <p:xfrm>
           <a:off x="1247140" y="2010410"/>
-          <a:ext cx="5984240" cy="1771650"/>
+          <a:ext cx="7867015" cy="2329180"/>
         </p:xfrm>
         <a:graphic>
           <a:graphicData uri="http://schemas.openxmlformats.org/presentationml/2006/ole">
@@ -4768,7 +5897,7 @@
                     <p:spPr>
                       <a:xfrm>
                         <a:off x="1247140" y="2010410"/>
-                        <a:ext cx="5984240" cy="1771650"/>
+                        <a:ext cx="7867015" cy="2329180"/>
                       </a:xfrm>
                       <a:prstGeom prst="rect">
                         <a:avLst/>
@@ -4789,7 +5918,7 @@
 </p:sld>
 </file>
 
-<file path=ppt/slides/slide2.xml><?xml version="1.0" encoding="utf-8"?>
+<file path=ppt/slides/slide28.xml><?xml version="1.0" encoding="utf-8"?>
 <p:sld xmlns:a="http://schemas.openxmlformats.org/drawingml/2006/main" xmlns:r="http://schemas.openxmlformats.org/officeDocument/2006/relationships" xmlns:p="http://schemas.openxmlformats.org/presentationml/2006/main">
   <p:cSld>
     <p:spTree>
@@ -4813,10 +5942,6 @@
         <p:txBody>
           <a:bodyPr/>
           <a:p>
-            <a:r>
-              <a:rPr lang="en-US"/>
-              <a:t>Proverif</a:t>
-            </a:r>
             <a:endParaRPr lang="en-US"/>
           </a:p>
         </p:txBody>
@@ -4835,24 +5960,6 @@
         <p:txBody>
           <a:bodyPr/>
           <a:p>
-            <a:r>
-              <a:rPr lang="en-US"/>
-              <a:t>secrecy</a:t>
-            </a:r>
-            <a:endParaRPr lang="en-US"/>
-          </a:p>
-          <a:p>
-            <a:r>
-              <a:rPr lang="en-US"/>
-              <a:t>correspondence</a:t>
-            </a:r>
-            <a:endParaRPr lang="en-US"/>
-          </a:p>
-          <a:p>
-            <a:r>
-              <a:rPr lang="en-US"/>
-              <a:t>observational equivalence(indistinguishability)</a:t>
-            </a:r>
             <a:endParaRPr lang="en-US"/>
           </a:p>
         </p:txBody>
@@ -5429,30 +6536,38 @@
           <a:p>
             <a:r>
               <a:rPr lang="en-US"/>
-              <a:t>Cryptographic Messages</a:t>
-            </a:r>
-            <a:endParaRPr lang="en-US"/>
-          </a:p>
-        </p:txBody>
-      </p:sp>
-      <p:sp>
-        <p:nvSpPr>
-          <p:cNvPr id="3" name="Content Placeholder 2"/>
-          <p:cNvSpPr>
-            <a:spLocks noGrp="1"/>
-          </p:cNvSpPr>
+              <a:t>Terms - Cryptographic Messages</a:t>
+            </a:r>
+            <a:endParaRPr lang="en-US"/>
+          </a:p>
+        </p:txBody>
+      </p:sp>
+      <p:pic>
+        <p:nvPicPr>
+          <p:cNvPr id="4" name="Content Placeholder 3"/>
+          <p:cNvPicPr>
+            <a:picLocks noChangeAspect="1"/>
+          </p:cNvPicPr>
           <p:nvPr>
             <p:ph idx="1"/>
           </p:nvPr>
-        </p:nvSpPr>
-        <p:spPr/>
-        <p:txBody>
-          <a:bodyPr/>
-          <a:p>
-            <a:endParaRPr lang="en-US"/>
-          </a:p>
-        </p:txBody>
-      </p:sp>
+        </p:nvPicPr>
+        <p:blipFill>
+          <a:blip r:embed="rId1"/>
+          <a:stretch>
+            <a:fillRect/>
+          </a:stretch>
+        </p:blipFill>
+        <p:spPr>
+          <a:xfrm>
+            <a:off x="728345" y="2072005"/>
+            <a:ext cx="10960100" cy="3012440"/>
+          </a:xfrm>
+          <a:prstGeom prst="rect">
+            <a:avLst/>
+          </a:prstGeom>
+        </p:spPr>
+      </p:pic>
     </p:spTree>
   </p:cSld>
   <p:clrMapOvr>
@@ -5483,222 +6598,87 @@
         </p:nvSpPr>
         <p:spPr/>
         <p:txBody>
-          <a:bodyPr/>
-          <a:p>
-            <a:r>
-              <a:rPr lang="en-US"/>
-              <a:t>Syntax</a:t>
-            </a:r>
-            <a:endParaRPr lang="en-US"/>
-          </a:p>
-        </p:txBody>
-      </p:sp>
-      <p:sp>
-        <p:nvSpPr>
-          <p:cNvPr id="3" name="Content Placeholder 2"/>
-          <p:cNvSpPr>
-            <a:spLocks noGrp="1"/>
-          </p:cNvSpPr>
-          <p:nvPr>
-            <p:ph idx="1"/>
-          </p:nvPr>
-        </p:nvSpPr>
-        <p:spPr/>
-        <p:txBody>
-          <a:bodyPr/>
-          <a:p>
-            <a:pPr marL="0" indent="0">
-              <a:buNone/>
-            </a:pPr>
-            <a:r>
-              <a:rPr lang="en-US"/>
-              <a:t>a Tamarin input file consists of: </a:t>
-            </a:r>
-            <a:endParaRPr lang="en-US"/>
-          </a:p>
-          <a:p>
-            <a:r>
-              <a:rPr lang="en-US"/>
-              <a:t>Comments( C-like, single line: </a:t>
-            </a:r>
+          <a:bodyPr>
+            <a:normAutofit/>
+          </a:bodyPr>
+          <a:p>
             <a:r>
               <a:rPr lang="en-US">
-                <a:solidFill>
-                  <a:srgbClr val="FF0000"/>
-                </a:solidFill>
-              </a:rPr>
-              <a:t>//</a:t>
-            </a:r>
-            <a:r>
-              <a:rPr lang="en-US"/>
-              <a:t>, multiline: </a:t>
-            </a:r>
-            <a:r>
-              <a:rPr lang="en-US">
-                <a:solidFill>
-                  <a:srgbClr val="FF0000"/>
-                </a:solidFill>
-              </a:rPr>
-              <a:t>/* */</a:t>
-            </a:r>
-            <a:r>
-              <a:rPr lang="en-US"/>
-              <a:t>)</a:t>
-            </a:r>
-            <a:endParaRPr lang="en-US"/>
-          </a:p>
-          <a:p>
-            <a:r>
-              <a:rPr lang="zh-CN" altLang="en-US"/>
-              <a:t>starts with </a:t>
-            </a:r>
-            <a:r>
-              <a:rPr lang="zh-CN" altLang="en-US" i="1">
-                <a:solidFill>
-                  <a:srgbClr val="FF0000"/>
-                </a:solidFill>
-              </a:rPr>
-              <a:t>theory</a:t>
-            </a:r>
-            <a:r>
-              <a:rPr lang="zh-CN" altLang="en-US">
-                <a:solidFill>
-                  <a:srgbClr val="FF0000"/>
-                </a:solidFill>
-              </a:rPr>
-              <a:t> </a:t>
-            </a:r>
-            <a:r>
-              <a:rPr lang="zh-CN" altLang="en-US"/>
-              <a:t>followed by the </a:t>
-            </a:r>
-            <a:r>
-              <a:rPr lang="zh-CN" altLang="en-US" i="1">
-                <a:solidFill>
-                  <a:srgbClr val="FF0000"/>
-                </a:solidFill>
-              </a:rPr>
-              <a:t>theory</a:t>
-            </a:r>
-            <a:r>
-              <a:rPr lang="en-US" altLang="zh-CN" i="1">
-                <a:solidFill>
-                  <a:srgbClr val="FF0000"/>
-                </a:solidFill>
-              </a:rPr>
-              <a:t>’</a:t>
-            </a:r>
-            <a:r>
-              <a:rPr lang="zh-CN" altLang="en-US" i="1">
-                <a:solidFill>
-                  <a:srgbClr val="FF0000"/>
-                </a:solidFill>
-              </a:rPr>
-              <a:t>s name</a:t>
-            </a:r>
-            <a:endParaRPr lang="zh-CN" altLang="en-US" i="1"/>
-          </a:p>
-          <a:p>
-            <a:r>
-              <a:rPr lang="en-US" altLang="zh-CN"/>
-              <a:t>the keyword </a:t>
-            </a:r>
-            <a:r>
-              <a:rPr lang="en-US" altLang="zh-CN" i="1">
-                <a:solidFill>
-                  <a:srgbClr val="FF0000"/>
-                </a:solidFill>
-              </a:rPr>
-              <a:t>begin</a:t>
-            </a:r>
-            <a:endParaRPr lang="en-US" altLang="zh-CN"/>
-          </a:p>
-          <a:p>
-            <a:r>
-              <a:rPr lang="en-US" altLang="zh-CN" i="1">
-                <a:solidFill>
-                  <a:srgbClr val="FF0000"/>
-                </a:solidFill>
-              </a:rPr>
-              <a:t>cryptographic primitives</a:t>
-            </a:r>
-            <a:r>
-              <a:rPr lang="en-US" altLang="zh-CN"/>
-              <a:t> declarations (the protocol process uses)</a:t>
-            </a:r>
-            <a:endParaRPr lang="en-US" altLang="zh-CN"/>
-          </a:p>
-          <a:p>
-            <a:r>
-              <a:rPr lang="en-US" altLang="zh-CN" i="1">
-                <a:solidFill>
-                  <a:srgbClr val="FF0000"/>
-                </a:solidFill>
-              </a:rPr>
-              <a:t>multiset rewriting rules</a:t>
-            </a:r>
-            <a:r>
-              <a:rPr lang="en-US" altLang="zh-CN">
-                <a:solidFill>
-                  <a:srgbClr val="FF0000"/>
-                </a:solidFill>
-              </a:rPr>
-              <a:t> </a:t>
-            </a:r>
-            <a:r>
-              <a:rPr lang="en-US" altLang="zh-CN">
                 <a:sym typeface="+mn-ea"/>
               </a:rPr>
-              <a:t>declarations (modeling the protocol)</a:t>
-            </a:r>
-            <a:endParaRPr lang="en-US" altLang="zh-CN">
-              <a:sym typeface="+mn-ea"/>
-            </a:endParaRPr>
-          </a:p>
-          <a:p>
-            <a:r>
-              <a:rPr lang="en-US" altLang="zh-CN" i="1">
-                <a:solidFill>
-                  <a:srgbClr val="FF0000"/>
-                </a:solidFill>
-              </a:rPr>
-              <a:t>properties</a:t>
-            </a:r>
-            <a:r>
-              <a:rPr lang="en-US" altLang="zh-CN"/>
-              <a:t> declarations ( </a:t>
-            </a:r>
-            <a:r>
-              <a:rPr lang="en-US" altLang="zh-CN" i="1"/>
-              <a:t>lemmas</a:t>
-            </a:r>
-            <a:r>
-              <a:rPr lang="en-US" altLang="zh-CN"/>
-              <a:t> to be proven)</a:t>
-            </a:r>
-            <a:endParaRPr lang="en-US" altLang="zh-CN"/>
-          </a:p>
-          <a:p>
-            <a:r>
-              <a:rPr lang="en-US" altLang="zh-CN" i="1">
-                <a:solidFill>
-                  <a:schemeClr val="tx1"/>
-                </a:solidFill>
-              </a:rPr>
-              <a:t>the keyword</a:t>
-            </a:r>
-            <a:r>
-              <a:rPr lang="en-US" altLang="zh-CN" i="1">
-                <a:solidFill>
-                  <a:srgbClr val="FF0000"/>
-                </a:solidFill>
-              </a:rPr>
-              <a:t> end</a:t>
-            </a:r>
-            <a:endParaRPr lang="en-US" altLang="zh-CN"/>
-          </a:p>
-          <a:p>
-            <a:endParaRPr lang="en-US" altLang="zh-CN"/>
+              <a:t>Terms - Cryptographic Messages</a:t>
+            </a:r>
+            <a:endParaRPr lang="en-US"/>
+          </a:p>
+        </p:txBody>
+      </p:sp>
+      <p:sp>
+        <p:nvSpPr>
+          <p:cNvPr id="3" name="Content Placeholder 2"/>
+          <p:cNvSpPr>
+            <a:spLocks noGrp="1"/>
+          </p:cNvSpPr>
+          <p:nvPr>
+            <p:ph idx="1"/>
+          </p:nvPr>
+        </p:nvSpPr>
+        <p:spPr/>
+        <p:txBody>
+          <a:bodyPr/>
+          <a:p>
+            <a:r>
+              <a:rPr lang="en-US"/>
+              <a:t>Function Symbols</a:t>
+            </a:r>
+            <a:endParaRPr lang="en-US"/>
+          </a:p>
+          <a:p>
+            <a:pPr lvl="1"/>
+            <a:r>
+              <a:rPr lang="en-US"/>
+              <a:t>built-in function symbols</a:t>
+            </a:r>
+            <a:endParaRPr lang="en-US"/>
+          </a:p>
+          <a:p>
+            <a:pPr lvl="1"/>
+            <a:r>
+              <a:rPr lang="en-US"/>
+              <a:t>user-defined function symbols</a:t>
+            </a:r>
+            <a:endParaRPr lang="en-US"/>
+          </a:p>
+          <a:p>
+            <a:pPr lvl="0"/>
+            <a:r>
+              <a:rPr lang="en-US"/>
+              <a:t>such like</a:t>
+            </a:r>
+            <a:endParaRPr lang="en-US"/>
+          </a:p>
+          <a:p>
+            <a:pPr lvl="1"/>
+            <a:r>
+              <a:rPr lang="en-US"/>
+              <a:t>pair, fst, snd</a:t>
+            </a:r>
+            <a:endParaRPr lang="en-US"/>
+          </a:p>
+          <a:p>
+            <a:pPr lvl="1"/>
+            <a:r>
+              <a:rPr lang="en-US"/>
+              <a:t>message theories: hashing, asymmetric-encryption, signing,diffie-hellman, bilinear-pairing, xor, and multiset</a:t>
+            </a:r>
+            <a:endParaRPr lang="en-US"/>
+          </a:p>
+          <a:p>
+            <a:pPr lvl="1"/>
+            <a:r>
+              <a:rPr lang="en-US"/>
+              <a:t>functions: f1/a1, ..., fn/an</a:t>
+            </a:r>
+            <a:endParaRPr lang="en-US"/>
           </a:p>
         </p:txBody>
       </p:sp>

--- a/notes1-verification tools.pptx
+++ b/notes1-verification tools.pptx
@@ -5942,6 +5942,10 @@
         <p:txBody>
           <a:bodyPr/>
           <a:p>
+            <a:r>
+              <a:rPr lang="en-US"/>
+              <a:t>VIS</a:t>
+            </a:r>
             <a:endParaRPr lang="en-US"/>
           </a:p>
         </p:txBody>
@@ -5960,6 +5964,10 @@
         <p:txBody>
           <a:bodyPr/>
           <a:p>
+            <a:r>
+              <a:rPr lang="en-US"/>
+              <a:t>Verilog HDL</a:t>
+            </a:r>
             <a:endParaRPr lang="en-US"/>
           </a:p>
         </p:txBody>
